--- a/src/OpenInfraPlatform/Resources/Splash.pptx
+++ b/src/OpenInfraPlatform/Resources/Splash.pptx
@@ -4539,7 +4539,7 @@
                 </a:solidFill>
                 <a:latin typeface="Calibri" panose="020F0502020204030204" pitchFamily="34" charset="0"/>
               </a:rPr>
-              <a:t>2017 Technische </a:t>
+              <a:t>2018 </a:t>
             </a:r>
             <a:r>
               <a:rPr lang="de-DE" sz="1600" dirty="0" smtClean="0">
@@ -4551,7 +4551,7 @@
                 </a:solidFill>
                 <a:latin typeface="Calibri" panose="020F0502020204030204" pitchFamily="34" charset="0"/>
               </a:rPr>
-              <a:t>Universität München, Chair of Computational Modeling and Simulation</a:t>
+              <a:t>Technische Universität München, Chair of Computational Modeling and Simulation</a:t>
             </a:r>
           </a:p>
           <a:p>
